--- a/VCII/Presentación.pptx
+++ b/VCII/Presentación.pptx
@@ -5,7 +5,7 @@
     <p:sldMasterId id="2147483648" r:id="rId1"/>
   </p:sldMasterIdLst>
   <p:notesMasterIdLst>
-    <p:notesMasterId r:id="rId15"/>
+    <p:notesMasterId r:id="rId16"/>
   </p:notesMasterIdLst>
   <p:sldIdLst>
     <p:sldId id="257" r:id="rId2"/>
@@ -21,6 +21,7 @@
     <p:sldId id="261" r:id="rId12"/>
     <p:sldId id="269" r:id="rId13"/>
     <p:sldId id="262" r:id="rId14"/>
+    <p:sldId id="270" r:id="rId15"/>
   </p:sldIdLst>
   <p:sldSz cx="12192000" cy="6858000"/>
   <p:notesSz cx="6858000" cy="9144000"/>
@@ -119,6 +120,11 @@
       </a:defRPr>
     </a:lvl9pPr>
   </p:defaultTextStyle>
+  <p:extLst>
+    <p:ext uri="{EFAFB233-063F-42B5-8137-9DF3F51BA10A}">
+      <p15:sldGuideLst xmlns:p15="http://schemas.microsoft.com/office/powerpoint/2012/main"/>
+    </p:ext>
+  </p:extLst>
 </p:presentation>
 </file>
 
@@ -3019,7 +3025,7 @@
           <a:p>
             <a:fld id="{B667447C-8C2B-4594-8B70-59FCCBCF1C7B}" type="datetimeFigureOut">
               <a:rPr lang="es-AR" smtClean="0"/>
-              <a:t>17/4/2024</a:t>
+              <a:t>18/4/2024</a:t>
             </a:fld>
             <a:endParaRPr lang="es-AR"/>
           </a:p>
@@ -3642,7 +3648,7 @@
           <a:p>
             <a:fld id="{9832C2D4-8635-4CB3-9F5B-908C924F2EF4}" type="datetimeFigureOut">
               <a:rPr lang="es-AR" smtClean="0"/>
-              <a:t>17/4/2024</a:t>
+              <a:t>18/4/2024</a:t>
             </a:fld>
             <a:endParaRPr lang="es-AR"/>
           </a:p>
@@ -3842,7 +3848,7 @@
           <a:p>
             <a:fld id="{9832C2D4-8635-4CB3-9F5B-908C924F2EF4}" type="datetimeFigureOut">
               <a:rPr lang="es-AR" smtClean="0"/>
-              <a:t>17/4/2024</a:t>
+              <a:t>18/4/2024</a:t>
             </a:fld>
             <a:endParaRPr lang="es-AR"/>
           </a:p>
@@ -4052,7 +4058,7 @@
           <a:p>
             <a:fld id="{9832C2D4-8635-4CB3-9F5B-908C924F2EF4}" type="datetimeFigureOut">
               <a:rPr lang="es-AR" smtClean="0"/>
-              <a:t>17/4/2024</a:t>
+              <a:t>18/4/2024</a:t>
             </a:fld>
             <a:endParaRPr lang="es-AR"/>
           </a:p>
@@ -4252,7 +4258,7 @@
           <a:p>
             <a:fld id="{9832C2D4-8635-4CB3-9F5B-908C924F2EF4}" type="datetimeFigureOut">
               <a:rPr lang="es-AR" smtClean="0"/>
-              <a:t>17/4/2024</a:t>
+              <a:t>18/4/2024</a:t>
             </a:fld>
             <a:endParaRPr lang="es-AR"/>
           </a:p>
@@ -4528,7 +4534,7 @@
           <a:p>
             <a:fld id="{9832C2D4-8635-4CB3-9F5B-908C924F2EF4}" type="datetimeFigureOut">
               <a:rPr lang="es-AR" smtClean="0"/>
-              <a:t>17/4/2024</a:t>
+              <a:t>18/4/2024</a:t>
             </a:fld>
             <a:endParaRPr lang="es-AR"/>
           </a:p>
@@ -4796,7 +4802,7 @@
           <a:p>
             <a:fld id="{9832C2D4-8635-4CB3-9F5B-908C924F2EF4}" type="datetimeFigureOut">
               <a:rPr lang="es-AR" smtClean="0"/>
-              <a:t>17/4/2024</a:t>
+              <a:t>18/4/2024</a:t>
             </a:fld>
             <a:endParaRPr lang="es-AR"/>
           </a:p>
@@ -5211,7 +5217,7 @@
           <a:p>
             <a:fld id="{9832C2D4-8635-4CB3-9F5B-908C924F2EF4}" type="datetimeFigureOut">
               <a:rPr lang="es-AR" smtClean="0"/>
-              <a:t>17/4/2024</a:t>
+              <a:t>18/4/2024</a:t>
             </a:fld>
             <a:endParaRPr lang="es-AR"/>
           </a:p>
@@ -5353,7 +5359,7 @@
           <a:p>
             <a:fld id="{9832C2D4-8635-4CB3-9F5B-908C924F2EF4}" type="datetimeFigureOut">
               <a:rPr lang="es-AR" smtClean="0"/>
-              <a:t>17/4/2024</a:t>
+              <a:t>18/4/2024</a:t>
             </a:fld>
             <a:endParaRPr lang="es-AR"/>
           </a:p>
@@ -5466,7 +5472,7 @@
           <a:p>
             <a:fld id="{9832C2D4-8635-4CB3-9F5B-908C924F2EF4}" type="datetimeFigureOut">
               <a:rPr lang="es-AR" smtClean="0"/>
-              <a:t>17/4/2024</a:t>
+              <a:t>18/4/2024</a:t>
             </a:fld>
             <a:endParaRPr lang="es-AR"/>
           </a:p>
@@ -5779,7 +5785,7 @@
           <a:p>
             <a:fld id="{9832C2D4-8635-4CB3-9F5B-908C924F2EF4}" type="datetimeFigureOut">
               <a:rPr lang="es-AR" smtClean="0"/>
-              <a:t>17/4/2024</a:t>
+              <a:t>18/4/2024</a:t>
             </a:fld>
             <a:endParaRPr lang="es-AR"/>
           </a:p>
@@ -6068,7 +6074,7 @@
           <a:p>
             <a:fld id="{9832C2D4-8635-4CB3-9F5B-908C924F2EF4}" type="datetimeFigureOut">
               <a:rPr lang="es-AR" smtClean="0"/>
-              <a:t>17/4/2024</a:t>
+              <a:t>18/4/2024</a:t>
             </a:fld>
             <a:endParaRPr lang="es-AR"/>
           </a:p>
@@ -6311,7 +6317,7 @@
           <a:p>
             <a:fld id="{9832C2D4-8635-4CB3-9F5B-908C924F2EF4}" type="datetimeFigureOut">
               <a:rPr lang="es-AR" smtClean="0"/>
-              <a:t>17/4/2024</a:t>
+              <a:t>18/4/2024</a:t>
             </a:fld>
             <a:endParaRPr lang="es-AR"/>
           </a:p>
@@ -9241,6 +9247,606 @@
     <p:extLst>
       <p:ext uri="{BB962C8B-B14F-4D97-AF65-F5344CB8AC3E}">
         <p14:creationId xmlns:p14="http://schemas.microsoft.com/office/powerpoint/2010/main" val="3557672425"/>
+      </p:ext>
+    </p:extLst>
+  </p:cSld>
+  <p:clrMapOvr>
+    <a:masterClrMapping/>
+  </p:clrMapOvr>
+</p:sld>
+</file>
+
+<file path=ppt/slides/slide14.xml><?xml version="1.0" encoding="utf-8"?>
+<p:sld xmlns:a="http://schemas.openxmlformats.org/drawingml/2006/main" xmlns:r="http://schemas.openxmlformats.org/officeDocument/2006/relationships" xmlns:p="http://schemas.openxmlformats.org/presentationml/2006/main">
+  <p:cSld>
+    <p:bg>
+      <p:bgPr>
+        <a:solidFill>
+          <a:schemeClr val="bg1"/>
+        </a:solidFill>
+        <a:effectLst/>
+      </p:bgPr>
+    </p:bg>
+    <p:spTree>
+      <p:nvGrpSpPr>
+        <p:cNvPr id="1" name=""/>
+        <p:cNvGrpSpPr/>
+        <p:nvPr/>
+      </p:nvGrpSpPr>
+      <p:grpSpPr>
+        <a:xfrm>
+          <a:off x="0" y="0"/>
+          <a:ext cx="0" cy="0"/>
+          <a:chOff x="0" y="0"/>
+          <a:chExt cx="0" cy="0"/>
+        </a:xfrm>
+      </p:grpSpPr>
+      <p:sp useBgFill="1">
+        <p:nvSpPr>
+          <p:cNvPr id="7" name="Rectangle 6">
+            <a:extLst>
+              <a:ext uri="{FF2B5EF4-FFF2-40B4-BE49-F238E27FC236}">
+                <a16:creationId xmlns:a16="http://schemas.microsoft.com/office/drawing/2014/main" id="{6F5A5072-7B47-4D32-B52A-4EBBF590B8A5}"/>
+              </a:ext>
+              <a:ext uri="{C183D7F6-B498-43B3-948B-1728B52AA6E4}">
+                <adec:decorative xmlns:adec="http://schemas.microsoft.com/office/drawing/2017/decorative" val="1"/>
+              </a:ext>
+            </a:extLst>
+          </p:cNvPr>
+          <p:cNvSpPr>
+            <a:spLocks noGrp="1" noRot="1" noChangeAspect="1" noMove="1" noResize="1" noEditPoints="1" noAdjustHandles="1" noChangeArrowheads="1" noChangeShapeType="1" noTextEdit="1"/>
+          </p:cNvSpPr>
+          <p:nvPr>
+            <p:extLst>
+              <p:ext uri="{386F3935-93C4-4BCD-93E2-E3B085C9AB24}">
+                <p16:designElem xmlns:p16="http://schemas.microsoft.com/office/powerpoint/2015/main" val="1"/>
+              </p:ext>
+            </p:extLst>
+          </p:nvPr>
+        </p:nvSpPr>
+        <p:spPr>
+          <a:xfrm>
+            <a:off x="0" y="0"/>
+            <a:ext cx="12192000" cy="6858000"/>
+          </a:xfrm>
+          <a:prstGeom prst="rect">
+            <a:avLst/>
+          </a:prstGeom>
+          <a:ln w="12700" cap="flat" cmpd="sng" algn="ctr">
+            <a:noFill/>
+            <a:prstDash val="solid"/>
+            <a:miter lim="800000"/>
+          </a:ln>
+          <a:effectLst/>
+          <a:extLst>
+            <a:ext uri="{91240B29-F687-4F45-9708-019B960494DF}">
+              <a14:hiddenLine xmlns:a14="http://schemas.microsoft.com/office/drawing/2010/main" w="12700" cap="flat" cmpd="sng" algn="ctr">
+                <a:solidFill>
+                  <a:schemeClr val="accent1">
+                    <a:shade val="50000"/>
+                  </a:schemeClr>
+                </a:solidFill>
+                <a:prstDash val="solid"/>
+                <a:miter lim="800000"/>
+              </a14:hiddenLine>
+            </a:ext>
+          </a:extLst>
+        </p:spPr>
+        <p:style>
+          <a:lnRef idx="2">
+            <a:schemeClr val="accent1">
+              <a:shade val="50000"/>
+            </a:schemeClr>
+          </a:lnRef>
+          <a:fillRef idx="1">
+            <a:schemeClr val="accent1"/>
+          </a:fillRef>
+          <a:effectRef idx="0">
+            <a:schemeClr val="accent1"/>
+          </a:effectRef>
+          <a:fontRef idx="minor">
+            <a:schemeClr val="lt1"/>
+          </a:fontRef>
+        </p:style>
+        <p:txBody>
+          <a:bodyPr rtlCol="0" anchor="ctr"/>
+          <a:lstStyle/>
+          <a:p>
+            <a:pPr algn="ctr"/>
+            <a:endParaRPr lang="en-US"/>
+          </a:p>
+        </p:txBody>
+      </p:sp>
+      <p:sp>
+        <p:nvSpPr>
+          <p:cNvPr id="9" name="Rectangle 8">
+            <a:extLst>
+              <a:ext uri="{FF2B5EF4-FFF2-40B4-BE49-F238E27FC236}">
+                <a16:creationId xmlns:a16="http://schemas.microsoft.com/office/drawing/2014/main" id="{9715DAF0-AE1B-46C9-8A6B-DB2AA05AB91D}"/>
+              </a:ext>
+              <a:ext uri="{C183D7F6-B498-43B3-948B-1728B52AA6E4}">
+                <adec:decorative xmlns:adec="http://schemas.microsoft.com/office/drawing/2017/decorative" val="1"/>
+              </a:ext>
+            </a:extLst>
+          </p:cNvPr>
+          <p:cNvSpPr>
+            <a:spLocks noGrp="1" noRot="1" noChangeAspect="1" noMove="1" noResize="1" noEditPoints="1" noAdjustHandles="1" noChangeArrowheads="1" noChangeShapeType="1" noTextEdit="1"/>
+          </p:cNvSpPr>
+          <p:nvPr>
+            <p:extLst>
+              <p:ext uri="{386F3935-93C4-4BCD-93E2-E3B085C9AB24}">
+                <p16:designElem xmlns:p16="http://schemas.microsoft.com/office/powerpoint/2015/main" val="1"/>
+              </p:ext>
+            </p:extLst>
+          </p:nvPr>
+        </p:nvSpPr>
+        <p:spPr>
+          <a:xfrm rot="10800000">
+            <a:off x="-2" y="-22693"/>
+            <a:ext cx="12191999" cy="4374129"/>
+          </a:xfrm>
+          <a:prstGeom prst="rect">
+            <a:avLst/>
+          </a:prstGeom>
+          <a:gradFill>
+            <a:gsLst>
+              <a:gs pos="0">
+                <a:schemeClr val="accent1">
+                  <a:lumMod val="75000"/>
+                </a:schemeClr>
+              </a:gs>
+              <a:gs pos="100000">
+                <a:srgbClr val="000000"/>
+              </a:gs>
+            </a:gsLst>
+            <a:lin ang="15000000" scaled="0"/>
+          </a:gradFill>
+          <a:ln>
+            <a:noFill/>
+          </a:ln>
+        </p:spPr>
+        <p:style>
+          <a:lnRef idx="2">
+            <a:schemeClr val="accent1">
+              <a:shade val="50000"/>
+            </a:schemeClr>
+          </a:lnRef>
+          <a:fillRef idx="1">
+            <a:schemeClr val="accent1"/>
+          </a:fillRef>
+          <a:effectRef idx="0">
+            <a:schemeClr val="accent1"/>
+          </a:effectRef>
+          <a:fontRef idx="minor">
+            <a:schemeClr val="lt1"/>
+          </a:fontRef>
+        </p:style>
+        <p:txBody>
+          <a:bodyPr rtlCol="0" anchor="ctr"/>
+          <a:lstStyle/>
+          <a:p>
+            <a:pPr algn="ctr"/>
+            <a:endParaRPr lang="en-US"/>
+          </a:p>
+        </p:txBody>
+      </p:sp>
+      <p:sp>
+        <p:nvSpPr>
+          <p:cNvPr id="11" name="Rectangle 10">
+            <a:extLst>
+              <a:ext uri="{FF2B5EF4-FFF2-40B4-BE49-F238E27FC236}">
+                <a16:creationId xmlns:a16="http://schemas.microsoft.com/office/drawing/2014/main" id="{6016219D-510E-4184-9090-6D5578A87BD1}"/>
+              </a:ext>
+              <a:ext uri="{C183D7F6-B498-43B3-948B-1728B52AA6E4}">
+                <adec:decorative xmlns:adec="http://schemas.microsoft.com/office/drawing/2017/decorative" val="1"/>
+              </a:ext>
+            </a:extLst>
+          </p:cNvPr>
+          <p:cNvSpPr>
+            <a:spLocks noGrp="1" noRot="1" noChangeAspect="1" noMove="1" noResize="1" noEditPoints="1" noAdjustHandles="1" noChangeArrowheads="1" noChangeShapeType="1" noTextEdit="1"/>
+          </p:cNvSpPr>
+          <p:nvPr>
+            <p:extLst>
+              <p:ext uri="{386F3935-93C4-4BCD-93E2-E3B085C9AB24}">
+                <p16:designElem xmlns:p16="http://schemas.microsoft.com/office/powerpoint/2015/main" val="1"/>
+              </p:ext>
+            </p:extLst>
+          </p:nvPr>
+        </p:nvSpPr>
+        <p:spPr>
+          <a:xfrm rot="5400000">
+            <a:off x="3908719" y="-3931841"/>
+            <a:ext cx="4374557" cy="12192000"/>
+          </a:xfrm>
+          <a:prstGeom prst="rect">
+            <a:avLst/>
+          </a:prstGeom>
+          <a:gradFill>
+            <a:gsLst>
+              <a:gs pos="40000">
+                <a:schemeClr val="accent1">
+                  <a:alpha val="0"/>
+                </a:schemeClr>
+              </a:gs>
+              <a:gs pos="100000">
+                <a:schemeClr val="accent1">
+                  <a:lumMod val="75000"/>
+                  <a:alpha val="52000"/>
+                </a:schemeClr>
+              </a:gs>
+            </a:gsLst>
+            <a:lin ang="2400000" scaled="0"/>
+          </a:gradFill>
+          <a:ln>
+            <a:noFill/>
+          </a:ln>
+        </p:spPr>
+        <p:style>
+          <a:lnRef idx="2">
+            <a:schemeClr val="accent1">
+              <a:shade val="50000"/>
+            </a:schemeClr>
+          </a:lnRef>
+          <a:fillRef idx="1">
+            <a:schemeClr val="accent1"/>
+          </a:fillRef>
+          <a:effectRef idx="0">
+            <a:schemeClr val="accent1"/>
+          </a:effectRef>
+          <a:fontRef idx="minor">
+            <a:schemeClr val="lt1"/>
+          </a:fontRef>
+        </p:style>
+        <p:txBody>
+          <a:bodyPr rtlCol="0" anchor="ctr"/>
+          <a:lstStyle/>
+          <a:p>
+            <a:pPr algn="ctr"/>
+            <a:endParaRPr lang="en-US"/>
+          </a:p>
+        </p:txBody>
+      </p:sp>
+      <p:sp>
+        <p:nvSpPr>
+          <p:cNvPr id="13" name="Rectangle 12">
+            <a:extLst>
+              <a:ext uri="{FF2B5EF4-FFF2-40B4-BE49-F238E27FC236}">
+                <a16:creationId xmlns:a16="http://schemas.microsoft.com/office/drawing/2014/main" id="{AFF4A713-7B75-4B21-90D7-5AB19547C728}"/>
+              </a:ext>
+              <a:ext uri="{C183D7F6-B498-43B3-948B-1728B52AA6E4}">
+                <adec:decorative xmlns:adec="http://schemas.microsoft.com/office/drawing/2017/decorative" val="1"/>
+              </a:ext>
+            </a:extLst>
+          </p:cNvPr>
+          <p:cNvSpPr>
+            <a:spLocks noGrp="1" noRot="1" noChangeAspect="1" noMove="1" noResize="1" noEditPoints="1" noAdjustHandles="1" noChangeArrowheads="1" noChangeShapeType="1" noTextEdit="1"/>
+          </p:cNvSpPr>
+          <p:nvPr>
+            <p:extLst>
+              <p:ext uri="{386F3935-93C4-4BCD-93E2-E3B085C9AB24}">
+                <p16:designElem xmlns:p16="http://schemas.microsoft.com/office/powerpoint/2015/main" val="1"/>
+              </p:ext>
+            </p:extLst>
+          </p:nvPr>
+        </p:nvSpPr>
+        <p:spPr>
+          <a:xfrm rot="5400000">
+            <a:off x="4136696" y="-3703868"/>
+            <a:ext cx="4374128" cy="11736479"/>
+          </a:xfrm>
+          <a:prstGeom prst="rect">
+            <a:avLst/>
+          </a:prstGeom>
+          <a:gradFill>
+            <a:gsLst>
+              <a:gs pos="17000">
+                <a:schemeClr val="accent1">
+                  <a:alpha val="0"/>
+                </a:schemeClr>
+              </a:gs>
+              <a:gs pos="100000">
+                <a:srgbClr val="000000">
+                  <a:alpha val="37000"/>
+                </a:srgbClr>
+              </a:gs>
+            </a:gsLst>
+            <a:lin ang="7800000" scaled="0"/>
+          </a:gradFill>
+          <a:ln>
+            <a:noFill/>
+          </a:ln>
+        </p:spPr>
+        <p:style>
+          <a:lnRef idx="2">
+            <a:schemeClr val="accent1">
+              <a:shade val="50000"/>
+            </a:schemeClr>
+          </a:lnRef>
+          <a:fillRef idx="1">
+            <a:schemeClr val="accent1"/>
+          </a:fillRef>
+          <a:effectRef idx="0">
+            <a:schemeClr val="accent1"/>
+          </a:effectRef>
+          <a:fontRef idx="minor">
+            <a:schemeClr val="lt1"/>
+          </a:fontRef>
+        </p:style>
+        <p:txBody>
+          <a:bodyPr rtlCol="0" anchor="ctr"/>
+          <a:lstStyle/>
+          <a:p>
+            <a:pPr algn="ctr"/>
+            <a:endParaRPr lang="en-US"/>
+          </a:p>
+        </p:txBody>
+      </p:sp>
+      <p:sp>
+        <p:nvSpPr>
+          <p:cNvPr id="15" name="Rectangle 14">
+            <a:extLst>
+              <a:ext uri="{FF2B5EF4-FFF2-40B4-BE49-F238E27FC236}">
+                <a16:creationId xmlns:a16="http://schemas.microsoft.com/office/drawing/2014/main" id="{DC631C0B-6DA6-4E57-8231-CE32B3434A7E}"/>
+              </a:ext>
+              <a:ext uri="{C183D7F6-B498-43B3-948B-1728B52AA6E4}">
+                <adec:decorative xmlns:adec="http://schemas.microsoft.com/office/drawing/2017/decorative" val="1"/>
+              </a:ext>
+            </a:extLst>
+          </p:cNvPr>
+          <p:cNvSpPr>
+            <a:spLocks noGrp="1" noRot="1" noChangeAspect="1" noMove="1" noResize="1" noEditPoints="1" noAdjustHandles="1" noChangeArrowheads="1" noChangeShapeType="1" noTextEdit="1"/>
+          </p:cNvSpPr>
+          <p:nvPr>
+            <p:extLst>
+              <p:ext uri="{386F3935-93C4-4BCD-93E2-E3B085C9AB24}">
+                <p16:designElem xmlns:p16="http://schemas.microsoft.com/office/powerpoint/2015/main" val="1"/>
+              </p:ext>
+            </p:extLst>
+          </p:nvPr>
+        </p:nvSpPr>
+        <p:spPr>
+          <a:xfrm>
+            <a:off x="-5" y="-22690"/>
+            <a:ext cx="8542485" cy="4374126"/>
+          </a:xfrm>
+          <a:prstGeom prst="rect">
+            <a:avLst/>
+          </a:prstGeom>
+          <a:gradFill>
+            <a:gsLst>
+              <a:gs pos="0">
+                <a:schemeClr val="accent1">
+                  <a:lumMod val="50000"/>
+                  <a:alpha val="0"/>
+                </a:schemeClr>
+              </a:gs>
+              <a:gs pos="100000">
+                <a:srgbClr val="000000">
+                  <a:alpha val="25000"/>
+                </a:srgbClr>
+              </a:gs>
+            </a:gsLst>
+            <a:lin ang="18600000" scaled="0"/>
+          </a:gradFill>
+          <a:ln>
+            <a:noFill/>
+          </a:ln>
+        </p:spPr>
+        <p:style>
+          <a:lnRef idx="2">
+            <a:schemeClr val="accent1">
+              <a:shade val="50000"/>
+            </a:schemeClr>
+          </a:lnRef>
+          <a:fillRef idx="1">
+            <a:schemeClr val="accent1"/>
+          </a:fillRef>
+          <a:effectRef idx="0">
+            <a:schemeClr val="accent1"/>
+          </a:effectRef>
+          <a:fontRef idx="minor">
+            <a:schemeClr val="lt1"/>
+          </a:fontRef>
+        </p:style>
+        <p:txBody>
+          <a:bodyPr rtlCol="0" anchor="ctr"/>
+          <a:lstStyle/>
+          <a:p>
+            <a:pPr algn="ctr"/>
+            <a:endParaRPr lang="en-US"/>
+          </a:p>
+        </p:txBody>
+      </p:sp>
+      <p:sp>
+        <p:nvSpPr>
+          <p:cNvPr id="17" name="Freeform: Shape 16">
+            <a:extLst>
+              <a:ext uri="{FF2B5EF4-FFF2-40B4-BE49-F238E27FC236}">
+                <a16:creationId xmlns:a16="http://schemas.microsoft.com/office/drawing/2014/main" id="{C29501E6-A978-4A61-9689-9085AF97A53A}"/>
+              </a:ext>
+              <a:ext uri="{C183D7F6-B498-43B3-948B-1728B52AA6E4}">
+                <adec:decorative xmlns:adec="http://schemas.microsoft.com/office/drawing/2017/decorative" val="1"/>
+              </a:ext>
+            </a:extLst>
+          </p:cNvPr>
+          <p:cNvSpPr>
+            <a:spLocks noGrp="1" noRot="1" noChangeAspect="1" noMove="1" noResize="1" noEditPoints="1" noAdjustHandles="1" noChangeArrowheads="1" noChangeShapeType="1" noTextEdit="1"/>
+          </p:cNvSpPr>
+          <p:nvPr>
+            <p:extLst>
+              <p:ext uri="{386F3935-93C4-4BCD-93E2-E3B085C9AB24}">
+                <p16:designElem xmlns:p16="http://schemas.microsoft.com/office/powerpoint/2015/main" val="1"/>
+              </p:ext>
+            </p:extLst>
+          </p:nvPr>
+        </p:nvSpPr>
+        <p:spPr>
+          <a:xfrm rot="12508972">
+            <a:off x="5945431" y="-1032053"/>
+            <a:ext cx="4990147" cy="4439131"/>
+          </a:xfrm>
+          <a:custGeom>
+            <a:avLst/>
+            <a:gdLst>
+              <a:gd name="connsiteX0" fmla="*/ 4990147 w 4990147"/>
+              <a:gd name="connsiteY0" fmla="*/ 2229378 h 4439131"/>
+              <a:gd name="connsiteX1" fmla="*/ 917384 w 4990147"/>
+              <a:gd name="connsiteY1" fmla="*/ 4439131 h 4439131"/>
+              <a:gd name="connsiteX2" fmla="*/ 910814 w 4990147"/>
+              <a:gd name="connsiteY2" fmla="*/ 4434219 h 4439131"/>
+              <a:gd name="connsiteX3" fmla="*/ 0 w 4990147"/>
+              <a:gd name="connsiteY3" fmla="*/ 2502877 h 4439131"/>
+              <a:gd name="connsiteX4" fmla="*/ 2502877 w 4990147"/>
+              <a:gd name="connsiteY4" fmla="*/ 0 h 4439131"/>
+              <a:gd name="connsiteX5" fmla="*/ 4954904 w 4990147"/>
+              <a:gd name="connsiteY5" fmla="*/ 1998460 h 4439131"/>
+            </a:gdLst>
+            <a:ahLst/>
+            <a:cxnLst>
+              <a:cxn ang="0">
+                <a:pos x="connsiteX0" y="connsiteY0"/>
+              </a:cxn>
+              <a:cxn ang="0">
+                <a:pos x="connsiteX1" y="connsiteY1"/>
+              </a:cxn>
+              <a:cxn ang="0">
+                <a:pos x="connsiteX2" y="connsiteY2"/>
+              </a:cxn>
+              <a:cxn ang="0">
+                <a:pos x="connsiteX3" y="connsiteY3"/>
+              </a:cxn>
+              <a:cxn ang="0">
+                <a:pos x="connsiteX4" y="connsiteY4"/>
+              </a:cxn>
+              <a:cxn ang="0">
+                <a:pos x="connsiteX5" y="connsiteY5"/>
+              </a:cxn>
+            </a:cxnLst>
+            <a:rect l="l" t="t" r="r" b="b"/>
+            <a:pathLst>
+              <a:path w="4990147" h="4439131">
+                <a:moveTo>
+                  <a:pt x="4990147" y="2229378"/>
+                </a:moveTo>
+                <a:lnTo>
+                  <a:pt x="917384" y="4439131"/>
+                </a:lnTo>
+                <a:lnTo>
+                  <a:pt x="910814" y="4434219"/>
+                </a:lnTo>
+                <a:cubicBezTo>
+                  <a:pt x="354557" y="3975154"/>
+                  <a:pt x="0" y="3280421"/>
+                  <a:pt x="0" y="2502877"/>
+                </a:cubicBezTo>
+                <a:cubicBezTo>
+                  <a:pt x="0" y="1120576"/>
+                  <a:pt x="1120576" y="0"/>
+                  <a:pt x="2502877" y="0"/>
+                </a:cubicBezTo>
+                <a:cubicBezTo>
+                  <a:pt x="3712390" y="0"/>
+                  <a:pt x="4721520" y="857941"/>
+                  <a:pt x="4954904" y="1998460"/>
+                </a:cubicBezTo>
+                <a:close/>
+              </a:path>
+            </a:pathLst>
+          </a:custGeom>
+          <a:gradFill>
+            <a:gsLst>
+              <a:gs pos="0">
+                <a:schemeClr val="accent1">
+                  <a:alpha val="22000"/>
+                </a:schemeClr>
+              </a:gs>
+              <a:gs pos="87000">
+                <a:schemeClr val="accent1">
+                  <a:lumMod val="60000"/>
+                  <a:lumOff val="40000"/>
+                  <a:alpha val="2000"/>
+                </a:schemeClr>
+              </a:gs>
+            </a:gsLst>
+            <a:lin ang="8400000" scaled="0"/>
+          </a:gradFill>
+          <a:ln>
+            <a:noFill/>
+          </a:ln>
+        </p:spPr>
+        <p:style>
+          <a:lnRef idx="2">
+            <a:schemeClr val="accent1">
+              <a:shade val="50000"/>
+            </a:schemeClr>
+          </a:lnRef>
+          <a:fillRef idx="1">
+            <a:schemeClr val="accent1"/>
+          </a:fillRef>
+          <a:effectRef idx="0">
+            <a:schemeClr val="accent1"/>
+          </a:effectRef>
+          <a:fontRef idx="minor">
+            <a:schemeClr val="lt1"/>
+          </a:fontRef>
+        </p:style>
+        <p:txBody>
+          <a:bodyPr wrap="square" rtlCol="0" anchor="ctr">
+            <a:noAutofit/>
+          </a:bodyPr>
+          <a:lstStyle/>
+          <a:p>
+            <a:pPr algn="ctr"/>
+            <a:endParaRPr lang="en-US" dirty="0"/>
+          </a:p>
+        </p:txBody>
+      </p:sp>
+      <p:sp>
+        <p:nvSpPr>
+          <p:cNvPr id="2" name="Título 1">
+            <a:extLst>
+              <a:ext uri="{FF2B5EF4-FFF2-40B4-BE49-F238E27FC236}">
+                <a16:creationId xmlns:a16="http://schemas.microsoft.com/office/drawing/2014/main" id="{7B84466A-48FD-60FF-FCEE-40CBE718314B}"/>
+              </a:ext>
+            </a:extLst>
+          </p:cNvPr>
+          <p:cNvSpPr>
+            <a:spLocks noGrp="1"/>
+          </p:cNvSpPr>
+          <p:nvPr>
+            <p:ph type="title"/>
+          </p:nvPr>
+        </p:nvSpPr>
+        <p:spPr>
+          <a:xfrm>
+            <a:off x="1314824" y="735106"/>
+            <a:ext cx="10053763" cy="2928470"/>
+          </a:xfrm>
+        </p:spPr>
+        <p:txBody>
+          <a:bodyPr vert="horz" lIns="91440" tIns="45720" rIns="91440" bIns="45720" rtlCol="0" anchor="b">
+            <a:normAutofit/>
+          </a:bodyPr>
+          <a:lstStyle/>
+          <a:p>
+            <a:r>
+              <a:rPr lang="en-US" sz="4800" kern="1200">
+                <a:solidFill>
+                  <a:srgbClr val="FFFFFF"/>
+                </a:solidFill>
+                <a:latin typeface="+mj-lt"/>
+                <a:ea typeface="+mj-ea"/>
+                <a:cs typeface="+mj-cs"/>
+              </a:rPr>
+              <a:t>¡Gracias!</a:t>
+            </a:r>
+          </a:p>
+        </p:txBody>
+      </p:sp>
+    </p:spTree>
+    <p:extLst>
+      <p:ext uri="{BB962C8B-B14F-4D97-AF65-F5344CB8AC3E}">
+        <p14:creationId xmlns:p14="http://schemas.microsoft.com/office/powerpoint/2010/main" val="4142366425"/>
       </p:ext>
     </p:extLst>
   </p:cSld>
